--- a/assets/images/blog/all_pics.pptx
+++ b/assets/images/blog/all_pics.pptx
@@ -1,11 +1,12 @@
 
 <file path=ppt/presentation.xml><?xml version="1.0" encoding="utf-8"?>
-<p:presentation xmlns:a="http://schemas.openxmlformats.org/drawingml/2006/main" xmlns:r="http://schemas.openxmlformats.org/officeDocument/2006/relationships" xmlns:p="http://schemas.openxmlformats.org/presentationml/2006/main" saveSubsetFonts="1">
+<p:presentation xmlns:a="http://schemas.openxmlformats.org/drawingml/2006/main" xmlns:r="http://schemas.openxmlformats.org/officeDocument/2006/relationships" xmlns:p="http://schemas.openxmlformats.org/presentationml/2006/main">
   <p:sldMasterIdLst>
     <p:sldMasterId id="2147483648" r:id="rId1"/>
   </p:sldMasterIdLst>
   <p:sldIdLst>
-    <p:sldId id="256" r:id="rId2"/>
+    <p:sldId id="256" r:id="rId3"/>
+    <p:sldId id="257" r:id="rId4"/>
   </p:sldIdLst>
   <p:sldSz cx="12192000" cy="6858000"/>
   <p:notesSz cx="6858000" cy="9144000"/>
@@ -104,11 +105,6 @@
       </a:defRPr>
     </a:lvl9pPr>
   </p:defaultTextStyle>
-  <p:extLst>
-    <p:ext uri="{EFAFB233-063F-42B5-8137-9DF3F51BA10A}">
-      <p15:sldGuideLst xmlns:p15="http://schemas.microsoft.com/office/powerpoint/2012/main"/>
-    </p:ext>
-  </p:extLst>
 </p:presentation>
 </file>
 
@@ -157,6 +153,7 @@
               <a:rPr lang="zh-CN" altLang="en-US"/>
               <a:t>单击此处编辑母版标题样式</a:t>
             </a:r>
+            <a:endParaRPr lang="zh-CN" altLang="en-US"/>
           </a:p>
         </p:txBody>
       </p:sp>
@@ -221,6 +218,7 @@
               <a:rPr lang="zh-CN" altLang="en-US"/>
               <a:t>单击此处编辑母版副标题样式</a:t>
             </a:r>
+            <a:endParaRPr lang="zh-CN" altLang="en-US"/>
           </a:p>
         </p:txBody>
       </p:sp>
@@ -241,7 +239,6 @@
           <a:p>
             <a:fld id="{D997B5FA-0921-464F-AAE1-844C04324D75}" type="datetimeFigureOut">
               <a:rPr lang="zh-CN" altLang="en-US" smtClean="0"/>
-              <a:t>2019/10/24</a:t>
             </a:fld>
             <a:endParaRPr lang="zh-CN" altLang="en-US"/>
           </a:p>
@@ -283,18 +280,12 @@
           <a:p>
             <a:fld id="{565CE74E-AB26-4998-AD42-012C4C1AD076}" type="slidenum">
               <a:rPr lang="zh-CN" altLang="en-US" smtClean="0"/>
-              <a:t>‹#›</a:t>
             </a:fld>
             <a:endParaRPr lang="zh-CN" altLang="en-US"/>
           </a:p>
         </p:txBody>
       </p:sp>
     </p:spTree>
-    <p:extLst>
-      <p:ext uri="{BB962C8B-B14F-4D97-AF65-F5344CB8AC3E}">
-        <p14:creationId xmlns:p14="http://schemas.microsoft.com/office/powerpoint/2010/main" val="3051827620"/>
-      </p:ext>
-    </p:extLst>
   </p:cSld>
   <p:clrMapOvr>
     <a:masterClrMapping/>
@@ -338,6 +329,7 @@
               <a:rPr lang="zh-CN" altLang="en-US"/>
               <a:t>单击此处编辑母版标题样式</a:t>
             </a:r>
+            <a:endParaRPr lang="zh-CN" altLang="en-US"/>
           </a:p>
         </p:txBody>
       </p:sp>
@@ -361,6 +353,7 @@
               <a:rPr lang="zh-CN" altLang="en-US"/>
               <a:t>单击此处编辑母版文本样式</a:t>
             </a:r>
+            <a:endParaRPr lang="zh-CN" altLang="en-US"/>
           </a:p>
           <a:p>
             <a:pPr lvl="1"/>
@@ -368,6 +361,7 @@
               <a:rPr lang="zh-CN" altLang="en-US"/>
               <a:t>第二级</a:t>
             </a:r>
+            <a:endParaRPr lang="zh-CN" altLang="en-US"/>
           </a:p>
           <a:p>
             <a:pPr lvl="2"/>
@@ -375,6 +369,7 @@
               <a:rPr lang="zh-CN" altLang="en-US"/>
               <a:t>第三级</a:t>
             </a:r>
+            <a:endParaRPr lang="zh-CN" altLang="en-US"/>
           </a:p>
           <a:p>
             <a:pPr lvl="3"/>
@@ -382,6 +377,7 @@
               <a:rPr lang="zh-CN" altLang="en-US"/>
               <a:t>第四级</a:t>
             </a:r>
+            <a:endParaRPr lang="zh-CN" altLang="en-US"/>
           </a:p>
           <a:p>
             <a:pPr lvl="4"/>
@@ -389,6 +385,7 @@
               <a:rPr lang="zh-CN" altLang="en-US"/>
               <a:t>第五级</a:t>
             </a:r>
+            <a:endParaRPr lang="zh-CN" altLang="en-US"/>
           </a:p>
         </p:txBody>
       </p:sp>
@@ -409,7 +406,6 @@
           <a:p>
             <a:fld id="{D997B5FA-0921-464F-AAE1-844C04324D75}" type="datetimeFigureOut">
               <a:rPr lang="zh-CN" altLang="en-US" smtClean="0"/>
-              <a:t>2019/10/24</a:t>
             </a:fld>
             <a:endParaRPr lang="zh-CN" altLang="en-US"/>
           </a:p>
@@ -451,18 +447,12 @@
           <a:p>
             <a:fld id="{565CE74E-AB26-4998-AD42-012C4C1AD076}" type="slidenum">
               <a:rPr lang="zh-CN" altLang="en-US" smtClean="0"/>
-              <a:t>‹#›</a:t>
             </a:fld>
             <a:endParaRPr lang="zh-CN" altLang="en-US"/>
           </a:p>
         </p:txBody>
       </p:sp>
     </p:spTree>
-    <p:extLst>
-      <p:ext uri="{BB962C8B-B14F-4D97-AF65-F5344CB8AC3E}">
-        <p14:creationId xmlns:p14="http://schemas.microsoft.com/office/powerpoint/2010/main" val="3188717747"/>
-      </p:ext>
-    </p:extLst>
   </p:cSld>
   <p:clrMapOvr>
     <a:masterClrMapping/>
@@ -511,6 +501,7 @@
               <a:rPr lang="zh-CN" altLang="en-US"/>
               <a:t>单击此处编辑母版标题样式</a:t>
             </a:r>
+            <a:endParaRPr lang="zh-CN" altLang="en-US"/>
           </a:p>
         </p:txBody>
       </p:sp>
@@ -539,6 +530,7 @@
               <a:rPr lang="zh-CN" altLang="en-US"/>
               <a:t>单击此处编辑母版文本样式</a:t>
             </a:r>
+            <a:endParaRPr lang="zh-CN" altLang="en-US"/>
           </a:p>
           <a:p>
             <a:pPr lvl="1"/>
@@ -546,6 +538,7 @@
               <a:rPr lang="zh-CN" altLang="en-US"/>
               <a:t>第二级</a:t>
             </a:r>
+            <a:endParaRPr lang="zh-CN" altLang="en-US"/>
           </a:p>
           <a:p>
             <a:pPr lvl="2"/>
@@ -553,6 +546,7 @@
               <a:rPr lang="zh-CN" altLang="en-US"/>
               <a:t>第三级</a:t>
             </a:r>
+            <a:endParaRPr lang="zh-CN" altLang="en-US"/>
           </a:p>
           <a:p>
             <a:pPr lvl="3"/>
@@ -560,6 +554,7 @@
               <a:rPr lang="zh-CN" altLang="en-US"/>
               <a:t>第四级</a:t>
             </a:r>
+            <a:endParaRPr lang="zh-CN" altLang="en-US"/>
           </a:p>
           <a:p>
             <a:pPr lvl="4"/>
@@ -567,6 +562,7 @@
               <a:rPr lang="zh-CN" altLang="en-US"/>
               <a:t>第五级</a:t>
             </a:r>
+            <a:endParaRPr lang="zh-CN" altLang="en-US"/>
           </a:p>
         </p:txBody>
       </p:sp>
@@ -587,7 +583,6 @@
           <a:p>
             <a:fld id="{D997B5FA-0921-464F-AAE1-844C04324D75}" type="datetimeFigureOut">
               <a:rPr lang="zh-CN" altLang="en-US" smtClean="0"/>
-              <a:t>2019/10/24</a:t>
             </a:fld>
             <a:endParaRPr lang="zh-CN" altLang="en-US"/>
           </a:p>
@@ -629,18 +624,12 @@
           <a:p>
             <a:fld id="{565CE74E-AB26-4998-AD42-012C4C1AD076}" type="slidenum">
               <a:rPr lang="zh-CN" altLang="en-US" smtClean="0"/>
-              <a:t>‹#›</a:t>
             </a:fld>
             <a:endParaRPr lang="zh-CN" altLang="en-US"/>
           </a:p>
         </p:txBody>
       </p:sp>
     </p:spTree>
-    <p:extLst>
-      <p:ext uri="{BB962C8B-B14F-4D97-AF65-F5344CB8AC3E}">
-        <p14:creationId xmlns:p14="http://schemas.microsoft.com/office/powerpoint/2010/main" val="4025501431"/>
-      </p:ext>
-    </p:extLst>
   </p:cSld>
   <p:clrMapOvr>
     <a:masterClrMapping/>
@@ -684,6 +673,7 @@
               <a:rPr lang="zh-CN" altLang="en-US"/>
               <a:t>单击此处编辑母版标题样式</a:t>
             </a:r>
+            <a:endParaRPr lang="zh-CN" altLang="en-US"/>
           </a:p>
         </p:txBody>
       </p:sp>
@@ -707,6 +697,7 @@
               <a:rPr lang="zh-CN" altLang="en-US"/>
               <a:t>单击此处编辑母版文本样式</a:t>
             </a:r>
+            <a:endParaRPr lang="zh-CN" altLang="en-US"/>
           </a:p>
           <a:p>
             <a:pPr lvl="1"/>
@@ -714,6 +705,7 @@
               <a:rPr lang="zh-CN" altLang="en-US"/>
               <a:t>第二级</a:t>
             </a:r>
+            <a:endParaRPr lang="zh-CN" altLang="en-US"/>
           </a:p>
           <a:p>
             <a:pPr lvl="2"/>
@@ -721,6 +713,7 @@
               <a:rPr lang="zh-CN" altLang="en-US"/>
               <a:t>第三级</a:t>
             </a:r>
+            <a:endParaRPr lang="zh-CN" altLang="en-US"/>
           </a:p>
           <a:p>
             <a:pPr lvl="3"/>
@@ -728,6 +721,7 @@
               <a:rPr lang="zh-CN" altLang="en-US"/>
               <a:t>第四级</a:t>
             </a:r>
+            <a:endParaRPr lang="zh-CN" altLang="en-US"/>
           </a:p>
           <a:p>
             <a:pPr lvl="4"/>
@@ -735,6 +729,7 @@
               <a:rPr lang="zh-CN" altLang="en-US"/>
               <a:t>第五级</a:t>
             </a:r>
+            <a:endParaRPr lang="zh-CN" altLang="en-US"/>
           </a:p>
         </p:txBody>
       </p:sp>
@@ -755,7 +750,6 @@
           <a:p>
             <a:fld id="{D997B5FA-0921-464F-AAE1-844C04324D75}" type="datetimeFigureOut">
               <a:rPr lang="zh-CN" altLang="en-US" smtClean="0"/>
-              <a:t>2019/10/24</a:t>
             </a:fld>
             <a:endParaRPr lang="zh-CN" altLang="en-US"/>
           </a:p>
@@ -797,18 +791,12 @@
           <a:p>
             <a:fld id="{565CE74E-AB26-4998-AD42-012C4C1AD076}" type="slidenum">
               <a:rPr lang="zh-CN" altLang="en-US" smtClean="0"/>
-              <a:t>‹#›</a:t>
             </a:fld>
             <a:endParaRPr lang="zh-CN" altLang="en-US"/>
           </a:p>
         </p:txBody>
       </p:sp>
     </p:spTree>
-    <p:extLst>
-      <p:ext uri="{BB962C8B-B14F-4D97-AF65-F5344CB8AC3E}">
-        <p14:creationId xmlns:p14="http://schemas.microsoft.com/office/powerpoint/2010/main" val="598653943"/>
-      </p:ext>
-    </p:extLst>
   </p:cSld>
   <p:clrMapOvr>
     <a:masterClrMapping/>
@@ -861,6 +849,7 @@
               <a:rPr lang="zh-CN" altLang="en-US"/>
               <a:t>单击此处编辑母版标题样式</a:t>
             </a:r>
+            <a:endParaRPr lang="zh-CN" altLang="en-US"/>
           </a:p>
         </p:txBody>
       </p:sp>
@@ -980,6 +969,7 @@
               <a:rPr lang="zh-CN" altLang="en-US"/>
               <a:t>单击此处编辑母版文本样式</a:t>
             </a:r>
+            <a:endParaRPr lang="zh-CN" altLang="en-US"/>
           </a:p>
         </p:txBody>
       </p:sp>
@@ -1000,7 +990,6 @@
           <a:p>
             <a:fld id="{D997B5FA-0921-464F-AAE1-844C04324D75}" type="datetimeFigureOut">
               <a:rPr lang="zh-CN" altLang="en-US" smtClean="0"/>
-              <a:t>2019/10/24</a:t>
             </a:fld>
             <a:endParaRPr lang="zh-CN" altLang="en-US"/>
           </a:p>
@@ -1042,18 +1031,12 @@
           <a:p>
             <a:fld id="{565CE74E-AB26-4998-AD42-012C4C1AD076}" type="slidenum">
               <a:rPr lang="zh-CN" altLang="en-US" smtClean="0"/>
-              <a:t>‹#›</a:t>
             </a:fld>
             <a:endParaRPr lang="zh-CN" altLang="en-US"/>
           </a:p>
         </p:txBody>
       </p:sp>
     </p:spTree>
-    <p:extLst>
-      <p:ext uri="{BB962C8B-B14F-4D97-AF65-F5344CB8AC3E}">
-        <p14:creationId xmlns:p14="http://schemas.microsoft.com/office/powerpoint/2010/main" val="1612184157"/>
-      </p:ext>
-    </p:extLst>
   </p:cSld>
   <p:clrMapOvr>
     <a:masterClrMapping/>
@@ -1097,6 +1080,7 @@
               <a:rPr lang="zh-CN" altLang="en-US"/>
               <a:t>单击此处编辑母版标题样式</a:t>
             </a:r>
+            <a:endParaRPr lang="zh-CN" altLang="en-US"/>
           </a:p>
         </p:txBody>
       </p:sp>
@@ -1125,6 +1109,7 @@
               <a:rPr lang="zh-CN" altLang="en-US"/>
               <a:t>单击此处编辑母版文本样式</a:t>
             </a:r>
+            <a:endParaRPr lang="zh-CN" altLang="en-US"/>
           </a:p>
           <a:p>
             <a:pPr lvl="1"/>
@@ -1132,6 +1117,7 @@
               <a:rPr lang="zh-CN" altLang="en-US"/>
               <a:t>第二级</a:t>
             </a:r>
+            <a:endParaRPr lang="zh-CN" altLang="en-US"/>
           </a:p>
           <a:p>
             <a:pPr lvl="2"/>
@@ -1139,6 +1125,7 @@
               <a:rPr lang="zh-CN" altLang="en-US"/>
               <a:t>第三级</a:t>
             </a:r>
+            <a:endParaRPr lang="zh-CN" altLang="en-US"/>
           </a:p>
           <a:p>
             <a:pPr lvl="3"/>
@@ -1146,6 +1133,7 @@
               <a:rPr lang="zh-CN" altLang="en-US"/>
               <a:t>第四级</a:t>
             </a:r>
+            <a:endParaRPr lang="zh-CN" altLang="en-US"/>
           </a:p>
           <a:p>
             <a:pPr lvl="4"/>
@@ -1153,6 +1141,7 @@
               <a:rPr lang="zh-CN" altLang="en-US"/>
               <a:t>第五级</a:t>
             </a:r>
+            <a:endParaRPr lang="zh-CN" altLang="en-US"/>
           </a:p>
         </p:txBody>
       </p:sp>
@@ -1181,6 +1170,7 @@
               <a:rPr lang="zh-CN" altLang="en-US"/>
               <a:t>单击此处编辑母版文本样式</a:t>
             </a:r>
+            <a:endParaRPr lang="zh-CN" altLang="en-US"/>
           </a:p>
           <a:p>
             <a:pPr lvl="1"/>
@@ -1188,6 +1178,7 @@
               <a:rPr lang="zh-CN" altLang="en-US"/>
               <a:t>第二级</a:t>
             </a:r>
+            <a:endParaRPr lang="zh-CN" altLang="en-US"/>
           </a:p>
           <a:p>
             <a:pPr lvl="2"/>
@@ -1195,6 +1186,7 @@
               <a:rPr lang="zh-CN" altLang="en-US"/>
               <a:t>第三级</a:t>
             </a:r>
+            <a:endParaRPr lang="zh-CN" altLang="en-US"/>
           </a:p>
           <a:p>
             <a:pPr lvl="3"/>
@@ -1202,6 +1194,7 @@
               <a:rPr lang="zh-CN" altLang="en-US"/>
               <a:t>第四级</a:t>
             </a:r>
+            <a:endParaRPr lang="zh-CN" altLang="en-US"/>
           </a:p>
           <a:p>
             <a:pPr lvl="4"/>
@@ -1209,6 +1202,7 @@
               <a:rPr lang="zh-CN" altLang="en-US"/>
               <a:t>第五级</a:t>
             </a:r>
+            <a:endParaRPr lang="zh-CN" altLang="en-US"/>
           </a:p>
         </p:txBody>
       </p:sp>
@@ -1229,7 +1223,6 @@
           <a:p>
             <a:fld id="{D997B5FA-0921-464F-AAE1-844C04324D75}" type="datetimeFigureOut">
               <a:rPr lang="zh-CN" altLang="en-US" smtClean="0"/>
-              <a:t>2019/10/24</a:t>
             </a:fld>
             <a:endParaRPr lang="zh-CN" altLang="en-US"/>
           </a:p>
@@ -1271,18 +1264,12 @@
           <a:p>
             <a:fld id="{565CE74E-AB26-4998-AD42-012C4C1AD076}" type="slidenum">
               <a:rPr lang="zh-CN" altLang="en-US" smtClean="0"/>
-              <a:t>‹#›</a:t>
             </a:fld>
             <a:endParaRPr lang="zh-CN" altLang="en-US"/>
           </a:p>
         </p:txBody>
       </p:sp>
     </p:spTree>
-    <p:extLst>
-      <p:ext uri="{BB962C8B-B14F-4D97-AF65-F5344CB8AC3E}">
-        <p14:creationId xmlns:p14="http://schemas.microsoft.com/office/powerpoint/2010/main" val="2905825717"/>
-      </p:ext>
-    </p:extLst>
   </p:cSld>
   <p:clrMapOvr>
     <a:masterClrMapping/>
@@ -1331,6 +1318,7 @@
               <a:rPr lang="zh-CN" altLang="en-US"/>
               <a:t>单击此处编辑母版标题样式</a:t>
             </a:r>
+            <a:endParaRPr lang="zh-CN" altLang="en-US"/>
           </a:p>
         </p:txBody>
       </p:sp>
@@ -1396,6 +1384,7 @@
               <a:rPr lang="zh-CN" altLang="en-US"/>
               <a:t>单击此处编辑母版文本样式</a:t>
             </a:r>
+            <a:endParaRPr lang="zh-CN" altLang="en-US"/>
           </a:p>
         </p:txBody>
       </p:sp>
@@ -1424,6 +1413,7 @@
               <a:rPr lang="zh-CN" altLang="en-US"/>
               <a:t>单击此处编辑母版文本样式</a:t>
             </a:r>
+            <a:endParaRPr lang="zh-CN" altLang="en-US"/>
           </a:p>
           <a:p>
             <a:pPr lvl="1"/>
@@ -1431,6 +1421,7 @@
               <a:rPr lang="zh-CN" altLang="en-US"/>
               <a:t>第二级</a:t>
             </a:r>
+            <a:endParaRPr lang="zh-CN" altLang="en-US"/>
           </a:p>
           <a:p>
             <a:pPr lvl="2"/>
@@ -1438,6 +1429,7 @@
               <a:rPr lang="zh-CN" altLang="en-US"/>
               <a:t>第三级</a:t>
             </a:r>
+            <a:endParaRPr lang="zh-CN" altLang="en-US"/>
           </a:p>
           <a:p>
             <a:pPr lvl="3"/>
@@ -1445,6 +1437,7 @@
               <a:rPr lang="zh-CN" altLang="en-US"/>
               <a:t>第四级</a:t>
             </a:r>
+            <a:endParaRPr lang="zh-CN" altLang="en-US"/>
           </a:p>
           <a:p>
             <a:pPr lvl="4"/>
@@ -1452,6 +1445,7 @@
               <a:rPr lang="zh-CN" altLang="en-US"/>
               <a:t>第五级</a:t>
             </a:r>
+            <a:endParaRPr lang="zh-CN" altLang="en-US"/>
           </a:p>
         </p:txBody>
       </p:sp>
@@ -1517,6 +1511,7 @@
               <a:rPr lang="zh-CN" altLang="en-US"/>
               <a:t>单击此处编辑母版文本样式</a:t>
             </a:r>
+            <a:endParaRPr lang="zh-CN" altLang="en-US"/>
           </a:p>
         </p:txBody>
       </p:sp>
@@ -1545,6 +1540,7 @@
               <a:rPr lang="zh-CN" altLang="en-US"/>
               <a:t>单击此处编辑母版文本样式</a:t>
             </a:r>
+            <a:endParaRPr lang="zh-CN" altLang="en-US"/>
           </a:p>
           <a:p>
             <a:pPr lvl="1"/>
@@ -1552,6 +1548,7 @@
               <a:rPr lang="zh-CN" altLang="en-US"/>
               <a:t>第二级</a:t>
             </a:r>
+            <a:endParaRPr lang="zh-CN" altLang="en-US"/>
           </a:p>
           <a:p>
             <a:pPr lvl="2"/>
@@ -1559,6 +1556,7 @@
               <a:rPr lang="zh-CN" altLang="en-US"/>
               <a:t>第三级</a:t>
             </a:r>
+            <a:endParaRPr lang="zh-CN" altLang="en-US"/>
           </a:p>
           <a:p>
             <a:pPr lvl="3"/>
@@ -1566,6 +1564,7 @@
               <a:rPr lang="zh-CN" altLang="en-US"/>
               <a:t>第四级</a:t>
             </a:r>
+            <a:endParaRPr lang="zh-CN" altLang="en-US"/>
           </a:p>
           <a:p>
             <a:pPr lvl="4"/>
@@ -1573,6 +1572,7 @@
               <a:rPr lang="zh-CN" altLang="en-US"/>
               <a:t>第五级</a:t>
             </a:r>
+            <a:endParaRPr lang="zh-CN" altLang="en-US"/>
           </a:p>
         </p:txBody>
       </p:sp>
@@ -1593,7 +1593,6 @@
           <a:p>
             <a:fld id="{D997B5FA-0921-464F-AAE1-844C04324D75}" type="datetimeFigureOut">
               <a:rPr lang="zh-CN" altLang="en-US" smtClean="0"/>
-              <a:t>2019/10/24</a:t>
             </a:fld>
             <a:endParaRPr lang="zh-CN" altLang="en-US"/>
           </a:p>
@@ -1635,18 +1634,12 @@
           <a:p>
             <a:fld id="{565CE74E-AB26-4998-AD42-012C4C1AD076}" type="slidenum">
               <a:rPr lang="zh-CN" altLang="en-US" smtClean="0"/>
-              <a:t>‹#›</a:t>
             </a:fld>
             <a:endParaRPr lang="zh-CN" altLang="en-US"/>
           </a:p>
         </p:txBody>
       </p:sp>
     </p:spTree>
-    <p:extLst>
-      <p:ext uri="{BB962C8B-B14F-4D97-AF65-F5344CB8AC3E}">
-        <p14:creationId xmlns:p14="http://schemas.microsoft.com/office/powerpoint/2010/main" val="168117047"/>
-      </p:ext>
-    </p:extLst>
   </p:cSld>
   <p:clrMapOvr>
     <a:masterClrMapping/>
@@ -1690,6 +1683,7 @@
               <a:rPr lang="zh-CN" altLang="en-US"/>
               <a:t>单击此处编辑母版标题样式</a:t>
             </a:r>
+            <a:endParaRPr lang="zh-CN" altLang="en-US"/>
           </a:p>
         </p:txBody>
       </p:sp>
@@ -1710,7 +1704,6 @@
           <a:p>
             <a:fld id="{D997B5FA-0921-464F-AAE1-844C04324D75}" type="datetimeFigureOut">
               <a:rPr lang="zh-CN" altLang="en-US" smtClean="0"/>
-              <a:t>2019/10/24</a:t>
             </a:fld>
             <a:endParaRPr lang="zh-CN" altLang="en-US"/>
           </a:p>
@@ -1752,18 +1745,12 @@
           <a:p>
             <a:fld id="{565CE74E-AB26-4998-AD42-012C4C1AD076}" type="slidenum">
               <a:rPr lang="zh-CN" altLang="en-US" smtClean="0"/>
-              <a:t>‹#›</a:t>
             </a:fld>
             <a:endParaRPr lang="zh-CN" altLang="en-US"/>
           </a:p>
         </p:txBody>
       </p:sp>
     </p:spTree>
-    <p:extLst>
-      <p:ext uri="{BB962C8B-B14F-4D97-AF65-F5344CB8AC3E}">
-        <p14:creationId xmlns:p14="http://schemas.microsoft.com/office/powerpoint/2010/main" val="2764406021"/>
-      </p:ext>
-    </p:extLst>
   </p:cSld>
   <p:clrMapOvr>
     <a:masterClrMapping/>
@@ -1805,7 +1792,6 @@
           <a:p>
             <a:fld id="{D997B5FA-0921-464F-AAE1-844C04324D75}" type="datetimeFigureOut">
               <a:rPr lang="zh-CN" altLang="en-US" smtClean="0"/>
-              <a:t>2019/10/24</a:t>
             </a:fld>
             <a:endParaRPr lang="zh-CN" altLang="en-US"/>
           </a:p>
@@ -1847,18 +1833,12 @@
           <a:p>
             <a:fld id="{565CE74E-AB26-4998-AD42-012C4C1AD076}" type="slidenum">
               <a:rPr lang="zh-CN" altLang="en-US" smtClean="0"/>
-              <a:t>‹#›</a:t>
             </a:fld>
             <a:endParaRPr lang="zh-CN" altLang="en-US"/>
           </a:p>
         </p:txBody>
       </p:sp>
     </p:spTree>
-    <p:extLst>
-      <p:ext uri="{BB962C8B-B14F-4D97-AF65-F5344CB8AC3E}">
-        <p14:creationId xmlns:p14="http://schemas.microsoft.com/office/powerpoint/2010/main" val="276523006"/>
-      </p:ext>
-    </p:extLst>
   </p:cSld>
   <p:clrMapOvr>
     <a:masterClrMapping/>
@@ -1911,6 +1891,7 @@
               <a:rPr lang="zh-CN" altLang="en-US"/>
               <a:t>单击此处编辑母版标题样式</a:t>
             </a:r>
+            <a:endParaRPr lang="zh-CN" altLang="en-US"/>
           </a:p>
         </p:txBody>
       </p:sp>
@@ -1967,6 +1948,7 @@
               <a:rPr lang="zh-CN" altLang="en-US"/>
               <a:t>单击此处编辑母版文本样式</a:t>
             </a:r>
+            <a:endParaRPr lang="zh-CN" altLang="en-US"/>
           </a:p>
           <a:p>
             <a:pPr lvl="1"/>
@@ -1974,6 +1956,7 @@
               <a:rPr lang="zh-CN" altLang="en-US"/>
               <a:t>第二级</a:t>
             </a:r>
+            <a:endParaRPr lang="zh-CN" altLang="en-US"/>
           </a:p>
           <a:p>
             <a:pPr lvl="2"/>
@@ -1981,6 +1964,7 @@
               <a:rPr lang="zh-CN" altLang="en-US"/>
               <a:t>第三级</a:t>
             </a:r>
+            <a:endParaRPr lang="zh-CN" altLang="en-US"/>
           </a:p>
           <a:p>
             <a:pPr lvl="3"/>
@@ -1988,6 +1972,7 @@
               <a:rPr lang="zh-CN" altLang="en-US"/>
               <a:t>第四级</a:t>
             </a:r>
+            <a:endParaRPr lang="zh-CN" altLang="en-US"/>
           </a:p>
           <a:p>
             <a:pPr lvl="4"/>
@@ -1995,6 +1980,7 @@
               <a:rPr lang="zh-CN" altLang="en-US"/>
               <a:t>第五级</a:t>
             </a:r>
+            <a:endParaRPr lang="zh-CN" altLang="en-US"/>
           </a:p>
         </p:txBody>
       </p:sp>
@@ -2060,6 +2046,7 @@
               <a:rPr lang="zh-CN" altLang="en-US"/>
               <a:t>单击此处编辑母版文本样式</a:t>
             </a:r>
+            <a:endParaRPr lang="zh-CN" altLang="en-US"/>
           </a:p>
         </p:txBody>
       </p:sp>
@@ -2080,7 +2067,6 @@
           <a:p>
             <a:fld id="{D997B5FA-0921-464F-AAE1-844C04324D75}" type="datetimeFigureOut">
               <a:rPr lang="zh-CN" altLang="en-US" smtClean="0"/>
-              <a:t>2019/10/24</a:t>
             </a:fld>
             <a:endParaRPr lang="zh-CN" altLang="en-US"/>
           </a:p>
@@ -2122,18 +2108,12 @@
           <a:p>
             <a:fld id="{565CE74E-AB26-4998-AD42-012C4C1AD076}" type="slidenum">
               <a:rPr lang="zh-CN" altLang="en-US" smtClean="0"/>
-              <a:t>‹#›</a:t>
             </a:fld>
             <a:endParaRPr lang="zh-CN" altLang="en-US"/>
           </a:p>
         </p:txBody>
       </p:sp>
     </p:spTree>
-    <p:extLst>
-      <p:ext uri="{BB962C8B-B14F-4D97-AF65-F5344CB8AC3E}">
-        <p14:creationId xmlns:p14="http://schemas.microsoft.com/office/powerpoint/2010/main" val="694758376"/>
-      </p:ext>
-    </p:extLst>
   </p:cSld>
   <p:clrMapOvr>
     <a:masterClrMapping/>
@@ -2186,6 +2166,7 @@
               <a:rPr lang="zh-CN" altLang="en-US"/>
               <a:t>单击此处编辑母版标题样式</a:t>
             </a:r>
+            <a:endParaRPr lang="zh-CN" altLang="en-US"/>
           </a:p>
         </p:txBody>
       </p:sp>
@@ -2312,6 +2293,7 @@
               <a:rPr lang="zh-CN" altLang="en-US"/>
               <a:t>单击此处编辑母版文本样式</a:t>
             </a:r>
+            <a:endParaRPr lang="zh-CN" altLang="en-US"/>
           </a:p>
         </p:txBody>
       </p:sp>
@@ -2332,7 +2314,6 @@
           <a:p>
             <a:fld id="{D997B5FA-0921-464F-AAE1-844C04324D75}" type="datetimeFigureOut">
               <a:rPr lang="zh-CN" altLang="en-US" smtClean="0"/>
-              <a:t>2019/10/24</a:t>
             </a:fld>
             <a:endParaRPr lang="zh-CN" altLang="en-US"/>
           </a:p>
@@ -2374,18 +2355,12 @@
           <a:p>
             <a:fld id="{565CE74E-AB26-4998-AD42-012C4C1AD076}" type="slidenum">
               <a:rPr lang="zh-CN" altLang="en-US" smtClean="0"/>
-              <a:t>‹#›</a:t>
             </a:fld>
             <a:endParaRPr lang="zh-CN" altLang="en-US"/>
           </a:p>
         </p:txBody>
       </p:sp>
     </p:spTree>
-    <p:extLst>
-      <p:ext uri="{BB962C8B-B14F-4D97-AF65-F5344CB8AC3E}">
-        <p14:creationId xmlns:p14="http://schemas.microsoft.com/office/powerpoint/2010/main" val="477805659"/>
-      </p:ext>
-    </p:extLst>
   </p:cSld>
   <p:clrMapOvr>
     <a:masterClrMapping/>
@@ -2444,6 +2419,7 @@
               <a:rPr lang="zh-CN" altLang="en-US"/>
               <a:t>单击此处编辑母版标题样式</a:t>
             </a:r>
+            <a:endParaRPr lang="zh-CN" altLang="en-US"/>
           </a:p>
         </p:txBody>
       </p:sp>
@@ -2477,6 +2453,7 @@
               <a:rPr lang="zh-CN" altLang="en-US"/>
               <a:t>单击此处编辑母版文本样式</a:t>
             </a:r>
+            <a:endParaRPr lang="zh-CN" altLang="en-US"/>
           </a:p>
           <a:p>
             <a:pPr lvl="1"/>
@@ -2484,6 +2461,7 @@
               <a:rPr lang="zh-CN" altLang="en-US"/>
               <a:t>第二级</a:t>
             </a:r>
+            <a:endParaRPr lang="zh-CN" altLang="en-US"/>
           </a:p>
           <a:p>
             <a:pPr lvl="2"/>
@@ -2491,6 +2469,7 @@
               <a:rPr lang="zh-CN" altLang="en-US"/>
               <a:t>第三级</a:t>
             </a:r>
+            <a:endParaRPr lang="zh-CN" altLang="en-US"/>
           </a:p>
           <a:p>
             <a:pPr lvl="3"/>
@@ -2498,6 +2477,7 @@
               <a:rPr lang="zh-CN" altLang="en-US"/>
               <a:t>第四级</a:t>
             </a:r>
+            <a:endParaRPr lang="zh-CN" altLang="en-US"/>
           </a:p>
           <a:p>
             <a:pPr lvl="4"/>
@@ -2505,6 +2485,7 @@
               <a:rPr lang="zh-CN" altLang="en-US"/>
               <a:t>第五级</a:t>
             </a:r>
+            <a:endParaRPr lang="zh-CN" altLang="en-US"/>
           </a:p>
         </p:txBody>
       </p:sp>
@@ -2543,7 +2524,6 @@
           <a:p>
             <a:fld id="{D997B5FA-0921-464F-AAE1-844C04324D75}" type="datetimeFigureOut">
               <a:rPr lang="zh-CN" altLang="en-US" smtClean="0"/>
-              <a:t>2019/10/24</a:t>
             </a:fld>
             <a:endParaRPr lang="zh-CN" altLang="en-US"/>
           </a:p>
@@ -2621,18 +2601,12 @@
           <a:p>
             <a:fld id="{565CE74E-AB26-4998-AD42-012C4C1AD076}" type="slidenum">
               <a:rPr lang="zh-CN" altLang="en-US" smtClean="0"/>
-              <a:t>‹#›</a:t>
             </a:fld>
             <a:endParaRPr lang="zh-CN" altLang="en-US"/>
           </a:p>
         </p:txBody>
       </p:sp>
     </p:spTree>
-    <p:extLst>
-      <p:ext uri="{BB962C8B-B14F-4D97-AF65-F5344CB8AC3E}">
-        <p14:creationId xmlns:p14="http://schemas.microsoft.com/office/powerpoint/2010/main" val="2003094035"/>
-      </p:ext>
-    </p:extLst>
   </p:cSld>
   <p:clrMap bg1="lt1" tx1="dk1" bg2="lt2" tx2="dk2" accent1="accent1" accent2="accent2" accent3="accent3" accent4="accent4" accent5="accent5" accent6="accent6" hlink="hlink" folHlink="folHlink"/>
   <p:sldLayoutIdLst>
@@ -2950,13 +2924,7 @@
       </p:grpSpPr>
       <p:sp>
         <p:nvSpPr>
-          <p:cNvPr id="2" name="箭头: 右 1">
-            <a:extLst>
-              <a:ext uri="{FF2B5EF4-FFF2-40B4-BE49-F238E27FC236}">
-                <a16:creationId xmlns:a16="http://schemas.microsoft.com/office/drawing/2014/main" id="{CD41865F-9E7E-4672-8938-F3092EC7F5FD}"/>
-              </a:ext>
-            </a:extLst>
-          </p:cNvPr>
+          <p:cNvPr id="2" name="箭头: 右 1"/>
           <p:cNvSpPr/>
           <p:nvPr/>
         </p:nvSpPr>
@@ -2996,13 +2964,7 @@
       </p:sp>
       <p:grpSp>
         <p:nvGrpSpPr>
-          <p:cNvPr id="3" name="组合 2">
-            <a:extLst>
-              <a:ext uri="{FF2B5EF4-FFF2-40B4-BE49-F238E27FC236}">
-                <a16:creationId xmlns:a16="http://schemas.microsoft.com/office/drawing/2014/main" id="{2C9703F6-C826-487F-801C-CCD52C7168D7}"/>
-              </a:ext>
-            </a:extLst>
-          </p:cNvPr>
+          <p:cNvPr id="3" name="组合 2"/>
           <p:cNvGrpSpPr/>
           <p:nvPr/>
         </p:nvGrpSpPr>
@@ -3016,13 +2978,7 @@
         </p:grpSpPr>
         <p:cxnSp>
           <p:nvCxnSpPr>
-            <p:cNvPr id="4" name="直接箭头连接符 3">
-              <a:extLst>
-                <a:ext uri="{FF2B5EF4-FFF2-40B4-BE49-F238E27FC236}">
-                  <a16:creationId xmlns:a16="http://schemas.microsoft.com/office/drawing/2014/main" id="{5D96D59B-5C24-4033-B682-7F87CDDC296C}"/>
-                </a:ext>
-              </a:extLst>
-            </p:cNvPr>
+            <p:cNvPr id="4" name="直接箭头连接符 3"/>
             <p:cNvCxnSpPr/>
             <p:nvPr/>
           </p:nvCxnSpPr>
@@ -3055,13 +3011,7 @@
         </p:cxnSp>
         <p:sp>
           <p:nvSpPr>
-            <p:cNvPr id="5" name="文本框 4">
-              <a:extLst>
-                <a:ext uri="{FF2B5EF4-FFF2-40B4-BE49-F238E27FC236}">
-                  <a16:creationId xmlns:a16="http://schemas.microsoft.com/office/drawing/2014/main" id="{13EAE698-36A9-4F36-862F-0F8AC7E35063}"/>
-                </a:ext>
-              </a:extLst>
-            </p:cNvPr>
+            <p:cNvPr id="5" name="文本框 4"/>
             <p:cNvSpPr txBox="1"/>
             <p:nvPr/>
           </p:nvSpPr>
@@ -3095,6 +3045,10 @@
                 </a:rPr>
                 <a:t> initially started as research project by Tianqi Chen.</a:t>
               </a:r>
+              <a:endParaRPr lang="en-US" altLang="zh-CN" sz="1400" b="1" dirty="0">
+                <a:latin typeface="Consolas" panose="020B0609020204030204" pitchFamily="49" charset="0"/>
+                <a:cs typeface="Consolas" panose="020B0609020204030204" pitchFamily="49" charset="0"/>
+              </a:endParaRPr>
             </a:p>
             <a:p>
               <a:endParaRPr lang="en-US" altLang="zh-CN" sz="1400" b="1" dirty="0">
@@ -3133,13 +3087,7 @@
         </p:sp>
         <p:sp>
           <p:nvSpPr>
-            <p:cNvPr id="6" name="矩形 5">
-              <a:extLst>
-                <a:ext uri="{FF2B5EF4-FFF2-40B4-BE49-F238E27FC236}">
-                  <a16:creationId xmlns:a16="http://schemas.microsoft.com/office/drawing/2014/main" id="{9CAA48DE-2DA9-46DB-9CEA-174E44C087C8}"/>
-                </a:ext>
-              </a:extLst>
-            </p:cNvPr>
+            <p:cNvPr id="6" name="矩形 5"/>
             <p:cNvSpPr/>
             <p:nvPr/>
           </p:nvSpPr>
@@ -3173,13 +3121,7 @@
       </p:grpSp>
       <p:grpSp>
         <p:nvGrpSpPr>
-          <p:cNvPr id="13" name="组合 12">
-            <a:extLst>
-              <a:ext uri="{FF2B5EF4-FFF2-40B4-BE49-F238E27FC236}">
-                <a16:creationId xmlns:a16="http://schemas.microsoft.com/office/drawing/2014/main" id="{242F0049-8F3B-482F-B587-632AB517A258}"/>
-              </a:ext>
-            </a:extLst>
-          </p:cNvPr>
+          <p:cNvPr id="13" name="组合 12"/>
           <p:cNvGrpSpPr/>
           <p:nvPr/>
         </p:nvGrpSpPr>
@@ -3193,13 +3135,7 @@
         </p:grpSpPr>
         <p:sp>
           <p:nvSpPr>
-            <p:cNvPr id="7" name="矩形 6">
-              <a:extLst>
-                <a:ext uri="{FF2B5EF4-FFF2-40B4-BE49-F238E27FC236}">
-                  <a16:creationId xmlns:a16="http://schemas.microsoft.com/office/drawing/2014/main" id="{B3242D56-BE7B-4423-8881-29A1299300F0}"/>
-                </a:ext>
-              </a:extLst>
-            </p:cNvPr>
+            <p:cNvPr id="7" name="矩形 6"/>
             <p:cNvSpPr/>
             <p:nvPr/>
           </p:nvSpPr>
@@ -3232,13 +3168,7 @@
         </p:sp>
         <p:sp>
           <p:nvSpPr>
-            <p:cNvPr id="8" name="矩形 7">
-              <a:extLst>
-                <a:ext uri="{FF2B5EF4-FFF2-40B4-BE49-F238E27FC236}">
-                  <a16:creationId xmlns:a16="http://schemas.microsoft.com/office/drawing/2014/main" id="{69846683-7741-4859-966F-B16320B3F3F3}"/>
-                </a:ext>
-              </a:extLst>
-            </p:cNvPr>
+            <p:cNvPr id="8" name="矩形 7"/>
             <p:cNvSpPr/>
             <p:nvPr/>
           </p:nvSpPr>
@@ -3280,13 +3210,7 @@
         </p:sp>
         <p:cxnSp>
           <p:nvCxnSpPr>
-            <p:cNvPr id="9" name="直接箭头连接符 8">
-              <a:extLst>
-                <a:ext uri="{FF2B5EF4-FFF2-40B4-BE49-F238E27FC236}">
-                  <a16:creationId xmlns:a16="http://schemas.microsoft.com/office/drawing/2014/main" id="{C02EBBCB-CA87-45AB-BAC5-3F204C5A3EAD}"/>
-                </a:ext>
-              </a:extLst>
-            </p:cNvPr>
+            <p:cNvPr id="9" name="直接箭头连接符 8"/>
             <p:cNvCxnSpPr/>
             <p:nvPr/>
           </p:nvCxnSpPr>
@@ -3320,13 +3244,7 @@
       </p:grpSp>
       <p:grpSp>
         <p:nvGrpSpPr>
-          <p:cNvPr id="14" name="组合 13">
-            <a:extLst>
-              <a:ext uri="{FF2B5EF4-FFF2-40B4-BE49-F238E27FC236}">
-                <a16:creationId xmlns:a16="http://schemas.microsoft.com/office/drawing/2014/main" id="{24E27484-E115-4D20-B18D-6BE95550194A}"/>
-              </a:ext>
-            </a:extLst>
-          </p:cNvPr>
+          <p:cNvPr id="14" name="组合 13"/>
           <p:cNvGrpSpPr/>
           <p:nvPr/>
         </p:nvGrpSpPr>
@@ -3340,13 +3258,7 @@
         </p:grpSpPr>
         <p:sp>
           <p:nvSpPr>
-            <p:cNvPr id="10" name="矩形 9">
-              <a:extLst>
-                <a:ext uri="{FF2B5EF4-FFF2-40B4-BE49-F238E27FC236}">
-                  <a16:creationId xmlns:a16="http://schemas.microsoft.com/office/drawing/2014/main" id="{8BA97A13-78FA-4847-A27D-60262981F606}"/>
-                </a:ext>
-              </a:extLst>
-            </p:cNvPr>
+            <p:cNvPr id="10" name="矩形 9"/>
             <p:cNvSpPr/>
             <p:nvPr/>
           </p:nvSpPr>
@@ -3379,13 +3291,7 @@
         </p:sp>
         <p:cxnSp>
           <p:nvCxnSpPr>
-            <p:cNvPr id="11" name="直接箭头连接符 10">
-              <a:extLst>
-                <a:ext uri="{FF2B5EF4-FFF2-40B4-BE49-F238E27FC236}">
-                  <a16:creationId xmlns:a16="http://schemas.microsoft.com/office/drawing/2014/main" id="{CCFBFF22-B4A0-4661-A62A-19F9263EEA84}"/>
-                </a:ext>
-              </a:extLst>
-            </p:cNvPr>
+            <p:cNvPr id="11" name="直接箭头连接符 10"/>
             <p:cNvCxnSpPr/>
             <p:nvPr/>
           </p:nvCxnSpPr>
@@ -3418,13 +3324,7 @@
         </p:cxnSp>
         <p:sp>
           <p:nvSpPr>
-            <p:cNvPr id="12" name="矩形 11">
-              <a:extLst>
-                <a:ext uri="{FF2B5EF4-FFF2-40B4-BE49-F238E27FC236}">
-                  <a16:creationId xmlns:a16="http://schemas.microsoft.com/office/drawing/2014/main" id="{EC8364CB-1446-4859-A2A9-01C67A5DF9B0}"/>
-                </a:ext>
-              </a:extLst>
-            </p:cNvPr>
+            <p:cNvPr id="12" name="矩形 11"/>
             <p:cNvSpPr/>
             <p:nvPr/>
           </p:nvSpPr>
@@ -3467,13 +3367,7 @@
       </p:grpSp>
       <p:grpSp>
         <p:nvGrpSpPr>
-          <p:cNvPr id="15" name="组合 14">
-            <a:extLst>
-              <a:ext uri="{FF2B5EF4-FFF2-40B4-BE49-F238E27FC236}">
-                <a16:creationId xmlns:a16="http://schemas.microsoft.com/office/drawing/2014/main" id="{7D777991-266F-434D-8D7C-0C5CD4692E4D}"/>
-              </a:ext>
-            </a:extLst>
-          </p:cNvPr>
+          <p:cNvPr id="15" name="组合 14"/>
           <p:cNvGrpSpPr/>
           <p:nvPr/>
         </p:nvGrpSpPr>
@@ -3487,13 +3381,7 @@
         </p:grpSpPr>
         <p:cxnSp>
           <p:nvCxnSpPr>
-            <p:cNvPr id="16" name="直接箭头连接符 15">
-              <a:extLst>
-                <a:ext uri="{FF2B5EF4-FFF2-40B4-BE49-F238E27FC236}">
-                  <a16:creationId xmlns:a16="http://schemas.microsoft.com/office/drawing/2014/main" id="{7615D2CB-23C6-454B-AF88-433C22B175CF}"/>
-                </a:ext>
-              </a:extLst>
-            </p:cNvPr>
+            <p:cNvPr id="16" name="直接箭头连接符 15"/>
             <p:cNvCxnSpPr/>
             <p:nvPr/>
           </p:nvCxnSpPr>
@@ -3526,13 +3414,7 @@
         </p:cxnSp>
         <p:sp>
           <p:nvSpPr>
-            <p:cNvPr id="17" name="文本框 16">
-              <a:extLst>
-                <a:ext uri="{FF2B5EF4-FFF2-40B4-BE49-F238E27FC236}">
-                  <a16:creationId xmlns:a16="http://schemas.microsoft.com/office/drawing/2014/main" id="{E440142E-72BB-441C-9CD3-F5EA05F55ACA}"/>
-                </a:ext>
-              </a:extLst>
-            </p:cNvPr>
+            <p:cNvPr id="17" name="文本框 16"/>
             <p:cNvSpPr txBox="1"/>
             <p:nvPr/>
           </p:nvSpPr>
@@ -3565,13 +3447,7 @@
         </p:sp>
         <p:sp>
           <p:nvSpPr>
-            <p:cNvPr id="18" name="矩形 17">
-              <a:extLst>
-                <a:ext uri="{FF2B5EF4-FFF2-40B4-BE49-F238E27FC236}">
-                  <a16:creationId xmlns:a16="http://schemas.microsoft.com/office/drawing/2014/main" id="{81EC4146-20BA-4A33-A8B4-C3C04746908A}"/>
-                </a:ext>
-              </a:extLst>
-            </p:cNvPr>
+            <p:cNvPr id="18" name="矩形 17"/>
             <p:cNvSpPr/>
             <p:nvPr/>
           </p:nvSpPr>
@@ -3604,11 +3480,72 @@
         </p:sp>
       </p:grpSp>
     </p:spTree>
-    <p:extLst>
-      <p:ext uri="{BB962C8B-B14F-4D97-AF65-F5344CB8AC3E}">
-        <p14:creationId xmlns:p14="http://schemas.microsoft.com/office/powerpoint/2010/main" val="187315872"/>
-      </p:ext>
-    </p:extLst>
+  </p:cSld>
+  <p:clrMapOvr>
+    <a:masterClrMapping/>
+  </p:clrMapOvr>
+</p:sld>
+</file>
+
+<file path=ppt/slides/slide2.xml><?xml version="1.0" encoding="utf-8"?>
+<p:sld xmlns:a="http://schemas.openxmlformats.org/drawingml/2006/main" xmlns:r="http://schemas.openxmlformats.org/officeDocument/2006/relationships" xmlns:p="http://schemas.openxmlformats.org/presentationml/2006/main">
+  <p:cSld>
+    <p:spTree>
+      <p:nvGrpSpPr>
+        <p:cNvPr id="1" name=""/>
+        <p:cNvGrpSpPr/>
+        <p:nvPr/>
+      </p:nvGrpSpPr>
+      <p:grpSpPr/>
+      <p:pic>
+        <p:nvPicPr>
+          <p:cNvPr id="2" name="图片 1"/>
+          <p:cNvPicPr>
+            <a:picLocks noChangeAspect="1"/>
+          </p:cNvPicPr>
+          <p:nvPr/>
+        </p:nvPicPr>
+        <p:blipFill>
+          <a:blip r:embed="rId1"/>
+          <a:stretch>
+            <a:fillRect/>
+          </a:stretch>
+        </p:blipFill>
+        <p:spPr>
+          <a:xfrm>
+            <a:off x="3877945" y="977900"/>
+            <a:ext cx="2732405" cy="2061210"/>
+          </a:xfrm>
+          <a:prstGeom prst="rect">
+            <a:avLst/>
+          </a:prstGeom>
+        </p:spPr>
+      </p:pic>
+      <p:pic>
+        <p:nvPicPr>
+          <p:cNvPr id="3" name="图片 2"/>
+          <p:cNvPicPr>
+            <a:picLocks noChangeAspect="1"/>
+          </p:cNvPicPr>
+          <p:nvPr/>
+        </p:nvPicPr>
+        <p:blipFill>
+          <a:blip r:embed="rId2"/>
+          <a:stretch>
+            <a:fillRect/>
+          </a:stretch>
+        </p:blipFill>
+        <p:spPr>
+          <a:xfrm>
+            <a:off x="2653665" y="3144520"/>
+            <a:ext cx="5048250" cy="2133600"/>
+          </a:xfrm>
+          <a:prstGeom prst="rect">
+            <a:avLst/>
+          </a:prstGeom>
+        </p:spPr>
+      </p:pic>
+    </p:spTree>
   </p:cSld>
   <p:clrMapOvr>
     <a:masterClrMapping/>
@@ -3624,7 +3561,7 @@
         <a:sysClr val="windowText" lastClr="000000"/>
       </a:dk1>
       <a:lt1>
-        <a:sysClr val="window" lastClr="CCE8CF"/>
+        <a:sysClr val="window" lastClr="FFFFFF"/>
       </a:lt1>
       <a:dk2>
         <a:srgbClr val="44546A"/>
@@ -3867,8 +3804,6 @@
       </a:bgFillStyleLst>
     </a:fmtScheme>
   </a:themeElements>
-  <a:objectDefaults/>
-  <a:extraClrSchemeLst/>
   <a:extLst>
     <a:ext uri="{05A4C25C-085E-4340-85A3-A5531E510DB2}">
       <thm15:themeFamily xmlns:thm15="http://schemas.microsoft.com/office/thememl/2012/main" name="Office Theme" id="{62F939B6-93AF-4DB8-9C6B-D6C7DFDC589F}" vid="{4A3C46E8-61CC-4603-A589-7422A47A8E4A}"/>

--- a/assets/images/blog/all_pics.pptx
+++ b/assets/images/blog/all_pics.pptx
@@ -2970,7 +2970,7 @@
         </p:nvGrpSpPr>
         <p:grpSpPr>
           <a:xfrm>
-            <a:off x="4502775" y="1652132"/>
+            <a:off x="3821420" y="1652132"/>
             <a:ext cx="2536376" cy="3432754"/>
             <a:chOff x="710673" y="2558512"/>
             <a:chExt cx="2536376" cy="3432754"/>
@@ -3127,7 +3127,7 @@
         </p:nvGrpSpPr>
         <p:grpSpPr>
           <a:xfrm>
-            <a:off x="7427489" y="1652132"/>
+            <a:off x="6858529" y="1652132"/>
             <a:ext cx="1948116" cy="2355536"/>
             <a:chOff x="6096000" y="2558512"/>
             <a:chExt cx="1948116" cy="2355536"/>
@@ -3250,7 +3250,7 @@
         </p:nvGrpSpPr>
         <p:grpSpPr>
           <a:xfrm>
-            <a:off x="9450931" y="1652132"/>
+            <a:off x="8959441" y="1652132"/>
             <a:ext cx="1948116" cy="2570980"/>
             <a:chOff x="9450931" y="2558512"/>
             <a:chExt cx="1948116" cy="2570980"/>
@@ -3373,10 +3373,10 @@
         </p:nvGrpSpPr>
         <p:grpSpPr>
           <a:xfrm>
-            <a:off x="1700044" y="1652132"/>
-            <a:ext cx="2536376" cy="2570980"/>
+            <a:off x="1285389" y="1652132"/>
+            <a:ext cx="2536376" cy="2569829"/>
             <a:chOff x="710673" y="2558512"/>
-            <a:chExt cx="2536376" cy="2570980"/>
+            <a:chExt cx="2536376" cy="2569829"/>
           </a:xfrm>
         </p:grpSpPr>
         <p:cxnSp>
@@ -3421,7 +3421,7 @@
           <p:spPr>
             <a:xfrm>
               <a:off x="710673" y="3959941"/>
-              <a:ext cx="2536376" cy="1169551"/>
+              <a:ext cx="2536376" cy="1168400"/>
             </a:xfrm>
             <a:prstGeom prst="rect">
               <a:avLst/>
@@ -3434,11 +3434,19 @@
             </a:bodyPr>
             <a:lstStyle/>
             <a:p>
+              <a:pPr algn="l">
+                <a:buClrTx/>
+                <a:buSzTx/>
+                <a:buNone/>
+              </a:pPr>
               <a:r>
-                <a:rPr lang="en-US" altLang="zh-CN" sz="1400" dirty="0"/>
+                <a:rPr lang="en-US" altLang="zh-CN" sz="1400" b="1" dirty="0" err="1">
+                  <a:latin typeface="Consolas" panose="020B0609020204030204" pitchFamily="49" charset="0"/>
+                  <a:cs typeface="Consolas" panose="020B0609020204030204" pitchFamily="49" charset="0"/>
+                </a:rPr>
                 <a:t>Friedman firstly presented the GBDT method and  published a paper “GREEDY FUNCTION APPROXIMATION: A GRADIENT BOOSTING MACHINE”</a:t>
               </a:r>
-              <a:endParaRPr lang="zh-CN" altLang="en-US" sz="1400" b="1" dirty="0">
+              <a:endParaRPr lang="en-US" altLang="zh-CN" sz="1400" b="1" dirty="0" err="1">
                 <a:latin typeface="Consolas" panose="020B0609020204030204" pitchFamily="49" charset="0"/>
                 <a:cs typeface="Consolas" panose="020B0609020204030204" pitchFamily="49" charset="0"/>
               </a:endParaRPr>
